--- a/docs/images/git-checkout/git_checkout_paths_commit.pptx
+++ b/docs/images/git-checkout/git_checkout_paths_commit.pptx
@@ -290,7 +290,7 @@
           <a:p>
             <a:fld id="{8CB4B4FF-AE23-4E1E-B51C-5ED850CF274A}" type="datetimeFigureOut">
               <a:rPr kumimoji="1" lang="ja-JP" altLang="en-US" smtClean="0"/>
-              <a:t>2016/10/7</a:t>
+              <a:t>2016/10/8</a:t>
             </a:fld>
             <a:endParaRPr kumimoji="1" lang="ja-JP" altLang="en-US"/>
           </a:p>
@@ -492,7 +492,7 @@
           <a:p>
             <a:fld id="{8CB4B4FF-AE23-4E1E-B51C-5ED850CF274A}" type="datetimeFigureOut">
               <a:rPr kumimoji="1" lang="ja-JP" altLang="en-US" smtClean="0"/>
-              <a:t>2016/10/7</a:t>
+              <a:t>2016/10/8</a:t>
             </a:fld>
             <a:endParaRPr kumimoji="1" lang="ja-JP" altLang="en-US"/>
           </a:p>
@@ -704,7 +704,7 @@
           <a:p>
             <a:fld id="{8CB4B4FF-AE23-4E1E-B51C-5ED850CF274A}" type="datetimeFigureOut">
               <a:rPr kumimoji="1" lang="ja-JP" altLang="en-US" smtClean="0"/>
-              <a:t>2016/10/7</a:t>
+              <a:t>2016/10/8</a:t>
             </a:fld>
             <a:endParaRPr kumimoji="1" lang="ja-JP" altLang="en-US"/>
           </a:p>
@@ -906,7 +906,7 @@
           <a:p>
             <a:fld id="{8CB4B4FF-AE23-4E1E-B51C-5ED850CF274A}" type="datetimeFigureOut">
               <a:rPr kumimoji="1" lang="ja-JP" altLang="en-US" smtClean="0"/>
-              <a:t>2016/10/7</a:t>
+              <a:t>2016/10/8</a:t>
             </a:fld>
             <a:endParaRPr kumimoji="1" lang="ja-JP" altLang="en-US"/>
           </a:p>
@@ -1152,7 +1152,7 @@
           <a:p>
             <a:fld id="{8CB4B4FF-AE23-4E1E-B51C-5ED850CF274A}" type="datetimeFigureOut">
               <a:rPr kumimoji="1" lang="ja-JP" altLang="en-US" smtClean="0"/>
-              <a:t>2016/10/7</a:t>
+              <a:t>2016/10/8</a:t>
             </a:fld>
             <a:endParaRPr kumimoji="1" lang="ja-JP" altLang="en-US"/>
           </a:p>
@@ -1504,7 +1504,7 @@
           <a:p>
             <a:fld id="{8CB4B4FF-AE23-4E1E-B51C-5ED850CF274A}" type="datetimeFigureOut">
               <a:rPr kumimoji="1" lang="ja-JP" altLang="en-US" smtClean="0"/>
-              <a:t>2016/10/7</a:t>
+              <a:t>2016/10/8</a:t>
             </a:fld>
             <a:endParaRPr kumimoji="1" lang="ja-JP" altLang="en-US"/>
           </a:p>
@@ -1990,7 +1990,7 @@
           <a:p>
             <a:fld id="{8CB4B4FF-AE23-4E1E-B51C-5ED850CF274A}" type="datetimeFigureOut">
               <a:rPr kumimoji="1" lang="ja-JP" altLang="en-US" smtClean="0"/>
-              <a:t>2016/10/7</a:t>
+              <a:t>2016/10/8</a:t>
             </a:fld>
             <a:endParaRPr kumimoji="1" lang="ja-JP" altLang="en-US"/>
           </a:p>
@@ -2108,7 +2108,7 @@
           <a:p>
             <a:fld id="{8CB4B4FF-AE23-4E1E-B51C-5ED850CF274A}" type="datetimeFigureOut">
               <a:rPr kumimoji="1" lang="ja-JP" altLang="en-US" smtClean="0"/>
-              <a:t>2016/10/7</a:t>
+              <a:t>2016/10/8</a:t>
             </a:fld>
             <a:endParaRPr kumimoji="1" lang="ja-JP" altLang="en-US"/>
           </a:p>
@@ -2203,7 +2203,7 @@
           <a:p>
             <a:fld id="{8CB4B4FF-AE23-4E1E-B51C-5ED850CF274A}" type="datetimeFigureOut">
               <a:rPr kumimoji="1" lang="ja-JP" altLang="en-US" smtClean="0"/>
-              <a:t>2016/10/7</a:t>
+              <a:t>2016/10/8</a:t>
             </a:fld>
             <a:endParaRPr kumimoji="1" lang="ja-JP" altLang="en-US"/>
           </a:p>
@@ -2512,7 +2512,7 @@
           <a:p>
             <a:fld id="{8CB4B4FF-AE23-4E1E-B51C-5ED850CF274A}" type="datetimeFigureOut">
               <a:rPr kumimoji="1" lang="ja-JP" altLang="en-US" smtClean="0"/>
-              <a:t>2016/10/7</a:t>
+              <a:t>2016/10/8</a:t>
             </a:fld>
             <a:endParaRPr kumimoji="1" lang="ja-JP" altLang="en-US"/>
           </a:p>
@@ -2765,7 +2765,7 @@
           <a:p>
             <a:fld id="{8CB4B4FF-AE23-4E1E-B51C-5ED850CF274A}" type="datetimeFigureOut">
               <a:rPr kumimoji="1" lang="ja-JP" altLang="en-US" smtClean="0"/>
-              <a:t>2016/10/7</a:t>
+              <a:t>2016/10/8</a:t>
             </a:fld>
             <a:endParaRPr kumimoji="1" lang="ja-JP" altLang="en-US"/>
           </a:p>
@@ -3010,7 +3010,7 @@
           <a:p>
             <a:fld id="{8CB4B4FF-AE23-4E1E-B51C-5ED850CF274A}" type="datetimeFigureOut">
               <a:rPr kumimoji="1" lang="ja-JP" altLang="en-US" smtClean="0"/>
-              <a:t>2016/10/7</a:t>
+              <a:t>2016/10/8</a:t>
             </a:fld>
             <a:endParaRPr kumimoji="1" lang="ja-JP" altLang="en-US"/>
           </a:p>
@@ -3698,16 +3698,10 @@
           <a:lstStyle/>
           <a:p>
             <a:r>
-              <a:rPr lang="ja-JP" altLang="en-US" b="1" smtClean="0">
-                <a:ea typeface="ＭＳ ゴシック" panose="020B0609070205080204" pitchFamily="49" charset="-128"/>
-              </a:rPr>
-              <a:t>初期</a:t>
-            </a:r>
-            <a:r>
               <a:rPr lang="ja-JP" altLang="en-US" b="1" dirty="0" smtClean="0">
                 <a:ea typeface="ＭＳ ゴシック" panose="020B0609070205080204" pitchFamily="49" charset="-128"/>
               </a:rPr>
-              <a:t>状態。</a:t>
+              <a:t>初期状態。</a:t>
             </a:r>
             <a:endParaRPr lang="en-US" altLang="ja-JP" b="1" dirty="0" smtClean="0">
               <a:ea typeface="ＭＳ ゴシック" panose="020B0609070205080204" pitchFamily="49" charset="-128"/>
@@ -3730,26 +3724,37 @@
               <a:rPr lang="ja-JP" altLang="en-US" b="1" dirty="0" smtClean="0">
                 <a:ea typeface="ＭＳ ゴシック" panose="020B0609070205080204" pitchFamily="49" charset="-128"/>
               </a:rPr>
-              <a:t> の直下に二つのファイルがある。</a:t>
+              <a:t> の</a:t>
+            </a:r>
+            <a:r>
+              <a:rPr lang="ja-JP" altLang="en-US" b="1" smtClean="0">
+                <a:ea typeface="ＭＳ ゴシック" panose="020B0609070205080204" pitchFamily="49" charset="-128"/>
+              </a:rPr>
+              <a:t>直下</a:t>
+            </a:r>
+            <a:r>
+              <a:rPr lang="ja-JP" altLang="en-US" b="1" smtClean="0">
+                <a:ea typeface="ＭＳ ゴシック" panose="020B0609070205080204" pitchFamily="49" charset="-128"/>
+              </a:rPr>
+              <a:t>に２つ</a:t>
+            </a:r>
+            <a:r>
+              <a:rPr lang="ja-JP" altLang="en-US" b="1" dirty="0" smtClean="0">
+                <a:ea typeface="ＭＳ ゴシック" panose="020B0609070205080204" pitchFamily="49" charset="-128"/>
+              </a:rPr>
+              <a:t>のファイルがある。</a:t>
             </a:r>
             <a:endParaRPr lang="en-US" altLang="ja-JP" b="1" dirty="0" smtClean="0">
               <a:ea typeface="ＭＳ ゴシック" panose="020B0609070205080204" pitchFamily="49" charset="-128"/>
             </a:endParaRPr>
           </a:p>
           <a:p>
-            <a:r>
-              <a:rPr lang="ja-JP" altLang="en-US" b="1" dirty="0">
-                <a:latin typeface="ＭＳ ゴシック" panose="020B0609070205080204" pitchFamily="49" charset="-128"/>
-                <a:ea typeface="ＭＳ ゴシック" panose="020B0609070205080204" pitchFamily="49" charset="-128"/>
-              </a:rPr>
-              <a:t>ワーキングディレクトリとインデックスとオブジェクト格納領域が</a:t>
-            </a:r>
             <a:r>
               <a:rPr lang="ja-JP" altLang="en-US" b="1" dirty="0" smtClean="0">
                 <a:latin typeface="ＭＳ ゴシック" panose="020B0609070205080204" pitchFamily="49" charset="-128"/>
                 <a:ea typeface="ＭＳ ゴシック" panose="020B0609070205080204" pitchFamily="49" charset="-128"/>
               </a:rPr>
-              <a:t>同期している。</a:t>
+              <a:t>ワーキングディレクトリがクリーン。</a:t>
             </a:r>
             <a:endParaRPr lang="en-US" altLang="ja-JP" b="1" dirty="0" smtClean="0">
               <a:latin typeface="ＭＳ ゴシック" panose="020B0609070205080204" pitchFamily="49" charset="-128"/>
